--- a/disaster-recovery-for-azure-vm-to-azure-vm/images/figures.pptx
+++ b/disaster-recovery-for-azure-vm-to-azure-vm/images/figures.pptx
@@ -7612,51 +7612,6 @@
               <a:latin typeface="Yu Gothic UI" panose="020B0500000000000000" pitchFamily="50" charset="-128"/>
               <a:ea typeface="Yu Gothic UI" panose="020B0500000000000000" pitchFamily="50" charset="-128"/>
               <a:cs typeface="Segoe UI Semibold" panose="020B0702040204020203" pitchFamily="34" charset="0"/>
-            </a:endParaRPr>
-          </a:p>
-        </p:txBody>
-      </p:sp>
-      <p:sp>
-        <p:nvSpPr>
-          <p:cNvPr id="65" name="テキスト ボックス 64">
-            <a:extLst>
-              <a:ext uri="{FF2B5EF4-FFF2-40B4-BE49-F238E27FC236}">
-                <a16:creationId xmlns:a16="http://schemas.microsoft.com/office/drawing/2014/main" id="{DD41CD4E-3D21-5746-8D71-FE6C8180E599}"/>
-              </a:ext>
-            </a:extLst>
-          </p:cNvPr>
-          <p:cNvSpPr txBox="1"/>
-          <p:nvPr/>
-        </p:nvSpPr>
-        <p:spPr>
-          <a:xfrm>
-            <a:off x="7043832" y="759408"/>
-            <a:ext cx="65" cy="307777"/>
-          </a:xfrm>
-          <a:prstGeom prst="rect">
-            <a:avLst/>
-          </a:prstGeom>
-          <a:noFill/>
-        </p:spPr>
-        <p:txBody>
-          <a:bodyPr wrap="none" lIns="0" tIns="0" rIns="0" bIns="0" rtlCol="0">
-            <a:spAutoFit/>
-          </a:bodyPr>
-          <a:lstStyle/>
-          <a:p>
-            <a:pPr algn="l"/>
-            <a:endParaRPr kumimoji="1" lang="ja-JP" altLang="en-US" sz="2000" dirty="0" err="1">
-              <a:gradFill>
-                <a:gsLst>
-                  <a:gs pos="2917">
-                    <a:schemeClr val="tx1"/>
-                  </a:gs>
-                  <a:gs pos="30000">
-                    <a:schemeClr val="tx1"/>
-                  </a:gs>
-                </a:gsLst>
-                <a:lin ang="5400000" scaled="0"/>
-              </a:gradFill>
             </a:endParaRPr>
           </a:p>
         </p:txBody>
